--- a/project1/report/RBC.pptx
+++ b/project1/report/RBC.pptx
@@ -7,6 +7,15 @@
   <p:sldIdLst>
     <p:sldId id="256" r:id="rId2"/>
     <p:sldId id="258" r:id="rId3"/>
+    <p:sldId id="259" r:id="rId4"/>
+    <p:sldId id="260" r:id="rId5"/>
+    <p:sldId id="261" r:id="rId6"/>
+    <p:sldId id="262" r:id="rId7"/>
+    <p:sldId id="268" r:id="rId8"/>
+    <p:sldId id="269" r:id="rId9"/>
+    <p:sldId id="265" r:id="rId10"/>
+    <p:sldId id="266" r:id="rId11"/>
+    <p:sldId id="267" r:id="rId12"/>
   </p:sldIdLst>
   <p:sldSz cx="12192000" cy="6858000"/>
   <p:notesSz cx="6858000" cy="9144000"/>
@@ -3412,6 +3421,194 @@
 </p:sld>
 </file>
 
+<file path=ppt/slides/slide10.xml><?xml version="1.0" encoding="utf-8"?>
+<p:sld xmlns:a="http://schemas.openxmlformats.org/drawingml/2006/main" xmlns:r="http://schemas.openxmlformats.org/officeDocument/2006/relationships" xmlns:p="http://schemas.openxmlformats.org/presentationml/2006/main">
+  <p:cSld>
+    <p:spTree>
+      <p:nvGrpSpPr>
+        <p:cNvPr id="1" name=""/>
+        <p:cNvGrpSpPr/>
+        <p:nvPr/>
+      </p:nvGrpSpPr>
+      <p:grpSpPr>
+        <a:xfrm>
+          <a:off x="0" y="0"/>
+          <a:ext cx="0" cy="0"/>
+          <a:chOff x="0" y="0"/>
+          <a:chExt cx="0" cy="0"/>
+        </a:xfrm>
+      </p:grpSpPr>
+      <p:sp>
+        <p:nvSpPr>
+          <p:cNvPr id="2" name="Title 1">
+            <a:extLst>
+              <a:ext uri="{FF2B5EF4-FFF2-40B4-BE49-F238E27FC236}">
+                <a16:creationId xmlns:a16="http://schemas.microsoft.com/office/drawing/2014/main" id="{58E3D7D6-2C40-4460-B485-873C602DC6A5}"/>
+              </a:ext>
+            </a:extLst>
+          </p:cNvPr>
+          <p:cNvSpPr>
+            <a:spLocks noGrp="1"/>
+          </p:cNvSpPr>
+          <p:nvPr>
+            <p:ph type="title"/>
+          </p:nvPr>
+        </p:nvSpPr>
+        <p:spPr/>
+        <p:txBody>
+          <a:bodyPr/>
+          <a:lstStyle/>
+          <a:p>
+            <a:r>
+              <a:rPr lang="en-US" dirty="0"/>
+              <a:t>Sample Output: Velocity in y Direction</a:t>
+            </a:r>
+          </a:p>
+        </p:txBody>
+      </p:sp>
+      <p:pic>
+        <p:nvPicPr>
+          <p:cNvPr id="4" name="Picture 3">
+            <a:extLst>
+              <a:ext uri="{FF2B5EF4-FFF2-40B4-BE49-F238E27FC236}">
+                <a16:creationId xmlns:a16="http://schemas.microsoft.com/office/drawing/2014/main" id="{CA4E8952-258D-4278-A4A1-7147DF7366B5}"/>
+              </a:ext>
+            </a:extLst>
+          </p:cNvPr>
+          <p:cNvPicPr>
+            <a:picLocks noChangeAspect="1"/>
+          </p:cNvPicPr>
+          <p:nvPr/>
+        </p:nvPicPr>
+        <p:blipFill>
+          <a:blip r:embed="rId2">
+            <a:extLst>
+              <a:ext uri="{28A0092B-C50C-407E-A947-70E740481C1C}">
+                <a14:useLocalDpi xmlns:a14="http://schemas.microsoft.com/office/drawing/2010/main" val="0"/>
+              </a:ext>
+            </a:extLst>
+          </a:blip>
+          <a:stretch>
+            <a:fillRect/>
+          </a:stretch>
+        </p:blipFill>
+        <p:spPr>
+          <a:xfrm>
+            <a:off x="3809" y="1389016"/>
+            <a:ext cx="13558157" cy="5423262"/>
+          </a:xfrm>
+          <a:prstGeom prst="rect">
+            <a:avLst/>
+          </a:prstGeom>
+        </p:spPr>
+      </p:pic>
+    </p:spTree>
+    <p:extLst>
+      <p:ext uri="{BB962C8B-B14F-4D97-AF65-F5344CB8AC3E}">
+        <p14:creationId xmlns:p14="http://schemas.microsoft.com/office/powerpoint/2010/main" val="1513134993"/>
+      </p:ext>
+    </p:extLst>
+  </p:cSld>
+  <p:clrMapOvr>
+    <a:masterClrMapping/>
+  </p:clrMapOvr>
+</p:sld>
+</file>
+
+<file path=ppt/slides/slide11.xml><?xml version="1.0" encoding="utf-8"?>
+<p:sld xmlns:a="http://schemas.openxmlformats.org/drawingml/2006/main" xmlns:r="http://schemas.openxmlformats.org/officeDocument/2006/relationships" xmlns:p="http://schemas.openxmlformats.org/presentationml/2006/main">
+  <p:cSld>
+    <p:spTree>
+      <p:nvGrpSpPr>
+        <p:cNvPr id="1" name=""/>
+        <p:cNvGrpSpPr/>
+        <p:nvPr/>
+      </p:nvGrpSpPr>
+      <p:grpSpPr>
+        <a:xfrm>
+          <a:off x="0" y="0"/>
+          <a:ext cx="0" cy="0"/>
+          <a:chOff x="0" y="0"/>
+          <a:chExt cx="0" cy="0"/>
+        </a:xfrm>
+      </p:grpSpPr>
+      <p:sp>
+        <p:nvSpPr>
+          <p:cNvPr id="2" name="Title 1">
+            <a:extLst>
+              <a:ext uri="{FF2B5EF4-FFF2-40B4-BE49-F238E27FC236}">
+                <a16:creationId xmlns:a16="http://schemas.microsoft.com/office/drawing/2014/main" id="{58E3D7D6-2C40-4460-B485-873C602DC6A5}"/>
+              </a:ext>
+            </a:extLst>
+          </p:cNvPr>
+          <p:cNvSpPr>
+            <a:spLocks noGrp="1"/>
+          </p:cNvSpPr>
+          <p:nvPr>
+            <p:ph type="title"/>
+          </p:nvPr>
+        </p:nvSpPr>
+        <p:spPr/>
+        <p:txBody>
+          <a:bodyPr/>
+          <a:lstStyle/>
+          <a:p>
+            <a:r>
+              <a:rPr lang="en-US" dirty="0"/>
+              <a:t>Sample Output: Velocity Field &amp; Streamlines</a:t>
+            </a:r>
+          </a:p>
+        </p:txBody>
+      </p:sp>
+      <p:pic>
+        <p:nvPicPr>
+          <p:cNvPr id="4" name="Picture 3">
+            <a:extLst>
+              <a:ext uri="{FF2B5EF4-FFF2-40B4-BE49-F238E27FC236}">
+                <a16:creationId xmlns:a16="http://schemas.microsoft.com/office/drawing/2014/main" id="{CA4E8952-258D-4278-A4A1-7147DF7366B5}"/>
+              </a:ext>
+            </a:extLst>
+          </p:cNvPr>
+          <p:cNvPicPr>
+            <a:picLocks noChangeAspect="1"/>
+          </p:cNvPicPr>
+          <p:nvPr/>
+        </p:nvPicPr>
+        <p:blipFill>
+          <a:blip r:embed="rId2">
+            <a:extLst>
+              <a:ext uri="{28A0092B-C50C-407E-A947-70E740481C1C}">
+                <a14:useLocalDpi xmlns:a14="http://schemas.microsoft.com/office/drawing/2010/main" val="0"/>
+              </a:ext>
+            </a:extLst>
+          </a:blip>
+          <a:stretch>
+            <a:fillRect/>
+          </a:stretch>
+        </p:blipFill>
+        <p:spPr>
+          <a:xfrm>
+            <a:off x="3810" y="1389016"/>
+            <a:ext cx="13558154" cy="5423262"/>
+          </a:xfrm>
+          <a:prstGeom prst="rect">
+            <a:avLst/>
+          </a:prstGeom>
+        </p:spPr>
+      </p:pic>
+    </p:spTree>
+    <p:extLst>
+      <p:ext uri="{BB962C8B-B14F-4D97-AF65-F5344CB8AC3E}">
+        <p14:creationId xmlns:p14="http://schemas.microsoft.com/office/powerpoint/2010/main" val="1056541572"/>
+      </p:ext>
+    </p:extLst>
+  </p:cSld>
+  <p:clrMapOvr>
+    <a:masterClrMapping/>
+  </p:clrMapOvr>
+</p:sld>
+</file>
+
 <file path=ppt/slides/slide2.xml><?xml version="1.0" encoding="utf-8"?>
 <p:sld xmlns:a="http://schemas.openxmlformats.org/drawingml/2006/main" xmlns:r="http://schemas.openxmlformats.org/officeDocument/2006/relationships" xmlns:p="http://schemas.openxmlformats.org/presentationml/2006/main">
   <p:cSld>
@@ -3522,13 +3719,8 @@
             </a:r>
             <a:r>
               <a:rPr lang="en-US" dirty="0"/>
-              <a:t> simulation code developed at </a:t>
-            </a:r>
-            <a:r>
-              <a:rPr lang="en-US"/>
-              <a:t>Sandia National Lab</a:t>
-            </a:r>
-            <a:endParaRPr lang="en-US" dirty="0"/>
+              <a:t> simulation code developed at Sandia National Lab</a:t>
+            </a:r>
           </a:p>
         </p:txBody>
       </p:sp>
@@ -3536,6 +3728,900 @@
     <p:extLst>
       <p:ext uri="{BB962C8B-B14F-4D97-AF65-F5344CB8AC3E}">
         <p14:creationId xmlns:p14="http://schemas.microsoft.com/office/powerpoint/2010/main" val="37203454"/>
+      </p:ext>
+    </p:extLst>
+  </p:cSld>
+  <p:clrMapOvr>
+    <a:masterClrMapping/>
+  </p:clrMapOvr>
+</p:sld>
+</file>
+
+<file path=ppt/slides/slide3.xml><?xml version="1.0" encoding="utf-8"?>
+<p:sld xmlns:a="http://schemas.openxmlformats.org/drawingml/2006/main" xmlns:r="http://schemas.openxmlformats.org/officeDocument/2006/relationships" xmlns:p="http://schemas.openxmlformats.org/presentationml/2006/main">
+  <p:cSld>
+    <p:spTree>
+      <p:nvGrpSpPr>
+        <p:cNvPr id="1" name=""/>
+        <p:cNvGrpSpPr/>
+        <p:nvPr/>
+      </p:nvGrpSpPr>
+      <p:grpSpPr>
+        <a:xfrm>
+          <a:off x="0" y="0"/>
+          <a:ext cx="0" cy="0"/>
+          <a:chOff x="0" y="0"/>
+          <a:chExt cx="0" cy="0"/>
+        </a:xfrm>
+      </p:grpSpPr>
+      <p:sp>
+        <p:nvSpPr>
+          <p:cNvPr id="2" name="Title 1">
+            <a:extLst>
+              <a:ext uri="{FF2B5EF4-FFF2-40B4-BE49-F238E27FC236}">
+                <a16:creationId xmlns:a16="http://schemas.microsoft.com/office/drawing/2014/main" id="{D4AB3BA1-B9D0-426D-A466-7F62C034301A}"/>
+              </a:ext>
+            </a:extLst>
+          </p:cNvPr>
+          <p:cNvSpPr>
+            <a:spLocks noGrp="1"/>
+          </p:cNvSpPr>
+          <p:nvPr>
+            <p:ph type="title"/>
+          </p:nvPr>
+        </p:nvSpPr>
+        <p:spPr/>
+        <p:txBody>
+          <a:bodyPr/>
+          <a:lstStyle/>
+          <a:p>
+            <a:r>
+              <a:rPr lang="en-US" dirty="0"/>
+              <a:t>Description of Code</a:t>
+            </a:r>
+          </a:p>
+        </p:txBody>
+      </p:sp>
+      <p:sp>
+        <p:nvSpPr>
+          <p:cNvPr id="3" name="Content Placeholder 2">
+            <a:extLst>
+              <a:ext uri="{FF2B5EF4-FFF2-40B4-BE49-F238E27FC236}">
+                <a16:creationId xmlns:a16="http://schemas.microsoft.com/office/drawing/2014/main" id="{B5800812-DF70-45AB-9541-2D2C47997C4A}"/>
+              </a:ext>
+            </a:extLst>
+          </p:cNvPr>
+          <p:cNvSpPr>
+            <a:spLocks noGrp="1"/>
+          </p:cNvSpPr>
+          <p:nvPr>
+            <p:ph idx="1"/>
+          </p:nvPr>
+        </p:nvSpPr>
+        <p:spPr/>
+        <p:txBody>
+          <a:bodyPr/>
+          <a:lstStyle/>
+          <a:p>
+            <a:r>
+              <a:rPr lang="en-US" dirty="0" err="1"/>
+              <a:t>Drekar</a:t>
+            </a:r>
+            <a:r>
+              <a:rPr lang="en-US" dirty="0"/>
+              <a:t> is a large scale computational fluid dynamics (CFD) code developed at Sandia National Lab</a:t>
+            </a:r>
+          </a:p>
+          <a:p>
+            <a:r>
+              <a:rPr lang="en-US" dirty="0" err="1"/>
+              <a:t>Drekar</a:t>
+            </a:r>
+            <a:r>
+              <a:rPr lang="en-US" dirty="0"/>
+              <a:t> solves fluid PDEs using the Finite Element Method (FEM)</a:t>
+            </a:r>
+          </a:p>
+          <a:p>
+            <a:r>
+              <a:rPr lang="en-US" dirty="0"/>
+              <a:t>Core functionality is a massively parallel FEM implementation that runs on MPI with back ends from threads, OpenMP and CUDA</a:t>
+            </a:r>
+          </a:p>
+          <a:p>
+            <a:r>
+              <a:rPr lang="en-US" dirty="0" err="1"/>
+              <a:t>Drekar</a:t>
+            </a:r>
+            <a:r>
+              <a:rPr lang="en-US" dirty="0"/>
+              <a:t> is part of the </a:t>
+            </a:r>
+            <a:r>
+              <a:rPr lang="en-US" dirty="0" err="1"/>
+              <a:t>Trilinos</a:t>
+            </a:r>
+            <a:r>
+              <a:rPr lang="en-US" dirty="0"/>
+              <a:t> package, which provides functionality including linear algebra, nonlinear solvers, automatic differentiation, and time integration</a:t>
+            </a:r>
+          </a:p>
+        </p:txBody>
+      </p:sp>
+    </p:spTree>
+    <p:extLst>
+      <p:ext uri="{BB962C8B-B14F-4D97-AF65-F5344CB8AC3E}">
+        <p14:creationId xmlns:p14="http://schemas.microsoft.com/office/powerpoint/2010/main" val="2840713304"/>
+      </p:ext>
+    </p:extLst>
+  </p:cSld>
+  <p:clrMapOvr>
+    <a:masterClrMapping/>
+  </p:clrMapOvr>
+</p:sld>
+</file>
+
+<file path=ppt/slides/slide4.xml><?xml version="1.0" encoding="utf-8"?>
+<p:sld xmlns:a="http://schemas.openxmlformats.org/drawingml/2006/main" xmlns:r="http://schemas.openxmlformats.org/officeDocument/2006/relationships" xmlns:p="http://schemas.openxmlformats.org/presentationml/2006/main">
+  <p:cSld>
+    <p:spTree>
+      <p:nvGrpSpPr>
+        <p:cNvPr id="1" name=""/>
+        <p:cNvGrpSpPr/>
+        <p:nvPr/>
+      </p:nvGrpSpPr>
+      <p:grpSpPr>
+        <a:xfrm>
+          <a:off x="0" y="0"/>
+          <a:ext cx="0" cy="0"/>
+          <a:chOff x="0" y="0"/>
+          <a:chExt cx="0" cy="0"/>
+        </a:xfrm>
+      </p:grpSpPr>
+      <p:sp>
+        <p:nvSpPr>
+          <p:cNvPr id="2" name="Title 1">
+            <a:extLst>
+              <a:ext uri="{FF2B5EF4-FFF2-40B4-BE49-F238E27FC236}">
+                <a16:creationId xmlns:a16="http://schemas.microsoft.com/office/drawing/2014/main" id="{C402ADDA-FC39-472E-B728-F2369664C47A}"/>
+              </a:ext>
+            </a:extLst>
+          </p:cNvPr>
+          <p:cNvSpPr>
+            <a:spLocks noGrp="1"/>
+          </p:cNvSpPr>
+          <p:nvPr>
+            <p:ph type="title"/>
+          </p:nvPr>
+        </p:nvSpPr>
+        <p:spPr/>
+        <p:txBody>
+          <a:bodyPr/>
+          <a:lstStyle/>
+          <a:p>
+            <a:r>
+              <a:rPr lang="en-US" dirty="0"/>
+              <a:t>Overview of Numerical Methods Used</a:t>
+            </a:r>
+          </a:p>
+        </p:txBody>
+      </p:sp>
+      <p:sp>
+        <p:nvSpPr>
+          <p:cNvPr id="3" name="Content Placeholder 2">
+            <a:extLst>
+              <a:ext uri="{FF2B5EF4-FFF2-40B4-BE49-F238E27FC236}">
+                <a16:creationId xmlns:a16="http://schemas.microsoft.com/office/drawing/2014/main" id="{290793C1-4125-4E08-BF9F-221488FE56AB}"/>
+              </a:ext>
+            </a:extLst>
+          </p:cNvPr>
+          <p:cNvSpPr>
+            <a:spLocks noGrp="1"/>
+          </p:cNvSpPr>
+          <p:nvPr>
+            <p:ph idx="1"/>
+          </p:nvPr>
+        </p:nvSpPr>
+        <p:spPr/>
+        <p:txBody>
+          <a:bodyPr/>
+          <a:lstStyle/>
+          <a:p>
+            <a:r>
+              <a:rPr lang="en-US" dirty="0"/>
+              <a:t>The Finite Element Method (FEM) solves PDEs by discretizing them in space on a </a:t>
+            </a:r>
+            <a:r>
+              <a:rPr lang="en-US" i="1" dirty="0"/>
+              <a:t>mesh</a:t>
+            </a:r>
+            <a:r>
+              <a:rPr lang="en-US" dirty="0"/>
+              <a:t>.</a:t>
+            </a:r>
+          </a:p>
+          <a:p>
+            <a:r>
+              <a:rPr lang="en-US" dirty="0"/>
+              <a:t>The functions to be solved for (here pressure, temperature, and velocity) are represented by choosing a finite dimensional basis</a:t>
+            </a:r>
+          </a:p>
+          <a:p>
+            <a:r>
+              <a:rPr lang="en-US" dirty="0"/>
+              <a:t>This simulation used piecewise polynomials of order 1, i.e. rectilinear planar functions (analog to piecewise linear in 2D)</a:t>
+            </a:r>
+          </a:p>
+          <a:p>
+            <a:r>
+              <a:rPr lang="en-US" dirty="0"/>
+              <a:t>The time stepper discretizes in time; each time step leads to a set of linear equations to be solved and then a nonlinear solution</a:t>
+            </a:r>
+          </a:p>
+        </p:txBody>
+      </p:sp>
+    </p:spTree>
+    <p:extLst>
+      <p:ext uri="{BB962C8B-B14F-4D97-AF65-F5344CB8AC3E}">
+        <p14:creationId xmlns:p14="http://schemas.microsoft.com/office/powerpoint/2010/main" val="3964274073"/>
+      </p:ext>
+    </p:extLst>
+  </p:cSld>
+  <p:clrMapOvr>
+    <a:masterClrMapping/>
+  </p:clrMapOvr>
+</p:sld>
+</file>
+
+<file path=ppt/slides/slide5.xml><?xml version="1.0" encoding="utf-8"?>
+<p:sld xmlns:a="http://schemas.openxmlformats.org/drawingml/2006/main" xmlns:r="http://schemas.openxmlformats.org/officeDocument/2006/relationships" xmlns:p="http://schemas.openxmlformats.org/presentationml/2006/main">
+  <p:cSld>
+    <p:spTree>
+      <p:nvGrpSpPr>
+        <p:cNvPr id="1" name=""/>
+        <p:cNvGrpSpPr/>
+        <p:nvPr/>
+      </p:nvGrpSpPr>
+      <p:grpSpPr>
+        <a:xfrm>
+          <a:off x="0" y="0"/>
+          <a:ext cx="0" cy="0"/>
+          <a:chOff x="0" y="0"/>
+          <a:chExt cx="0" cy="0"/>
+        </a:xfrm>
+      </p:grpSpPr>
+      <p:sp>
+        <p:nvSpPr>
+          <p:cNvPr id="2" name="Title 1">
+            <a:extLst>
+              <a:ext uri="{FF2B5EF4-FFF2-40B4-BE49-F238E27FC236}">
+                <a16:creationId xmlns:a16="http://schemas.microsoft.com/office/drawing/2014/main" id="{2953A6B3-BC38-4F42-8A7A-582A25DC46AD}"/>
+              </a:ext>
+            </a:extLst>
+          </p:cNvPr>
+          <p:cNvSpPr>
+            <a:spLocks noGrp="1"/>
+          </p:cNvSpPr>
+          <p:nvPr>
+            <p:ph type="title"/>
+          </p:nvPr>
+        </p:nvSpPr>
+        <p:spPr/>
+        <p:txBody>
+          <a:bodyPr/>
+          <a:lstStyle/>
+          <a:p>
+            <a:r>
+              <a:rPr lang="en-US" dirty="0"/>
+              <a:t>Parameters of the Simulation</a:t>
+            </a:r>
+          </a:p>
+        </p:txBody>
+      </p:sp>
+      <p:sp>
+        <p:nvSpPr>
+          <p:cNvPr id="3" name="Content Placeholder 2">
+            <a:extLst>
+              <a:ext uri="{FF2B5EF4-FFF2-40B4-BE49-F238E27FC236}">
+                <a16:creationId xmlns:a16="http://schemas.microsoft.com/office/drawing/2014/main" id="{3590D09B-7C6A-4292-80A1-E8035FF3B7E8}"/>
+              </a:ext>
+            </a:extLst>
+          </p:cNvPr>
+          <p:cNvSpPr>
+            <a:spLocks noGrp="1"/>
+          </p:cNvSpPr>
+          <p:nvPr>
+            <p:ph idx="1"/>
+          </p:nvPr>
+        </p:nvSpPr>
+        <p:spPr>
+          <a:xfrm>
+            <a:off x="838200" y="1825625"/>
+            <a:ext cx="10515600" cy="4896722"/>
+          </a:xfrm>
+        </p:spPr>
+        <p:txBody>
+          <a:bodyPr>
+            <a:normAutofit lnSpcReduction="10000"/>
+          </a:bodyPr>
+          <a:lstStyle/>
+          <a:p>
+            <a:r>
+              <a:rPr lang="en-US" dirty="0"/>
+              <a:t>Dimensions: Length L=2.0, Height =1.0, </a:t>
+            </a:r>
+            <a:r>
+              <a:rPr lang="el-GR" dirty="0"/>
+              <a:t>Γ</a:t>
+            </a:r>
+            <a:r>
+              <a:rPr lang="en-US" dirty="0"/>
+              <a:t> = 2; </a:t>
+            </a:r>
+            <a:r>
+              <a:rPr lang="en-US" dirty="0" err="1"/>
+              <a:t>N</a:t>
+            </a:r>
+            <a:r>
+              <a:rPr lang="en-US" baseline="-25000" dirty="0" err="1"/>
+              <a:t>x</a:t>
+            </a:r>
+            <a:r>
+              <a:rPr lang="en-US" dirty="0"/>
+              <a:t> = 1024, N</a:t>
+            </a:r>
+            <a:r>
+              <a:rPr lang="en-US" baseline="-25000" dirty="0"/>
+              <a:t>y</a:t>
+            </a:r>
+            <a:r>
+              <a:rPr lang="en-US" dirty="0"/>
+              <a:t> = 2048</a:t>
+            </a:r>
+          </a:p>
+          <a:p>
+            <a:r>
+              <a:rPr lang="en-US" dirty="0"/>
+              <a:t>Density </a:t>
+            </a:r>
+            <a:r>
+              <a:rPr lang="el-GR" dirty="0"/>
+              <a:t>ρ</a:t>
+            </a:r>
+            <a:r>
+              <a:rPr lang="en-US" baseline="-25000" dirty="0"/>
+              <a:t>0</a:t>
+            </a:r>
+            <a:r>
+              <a:rPr lang="en-US" dirty="0"/>
+              <a:t> = 1.0</a:t>
+            </a:r>
+          </a:p>
+          <a:p>
+            <a:r>
+              <a:rPr lang="en-US" dirty="0"/>
+              <a:t>Viscosity </a:t>
+            </a:r>
+            <a:r>
+              <a:rPr lang="el-GR" dirty="0"/>
+              <a:t>ν</a:t>
+            </a:r>
+            <a:r>
+              <a:rPr lang="en-US" dirty="0"/>
+              <a:t> = 0.01</a:t>
+            </a:r>
+          </a:p>
+          <a:p>
+            <a:r>
+              <a:rPr lang="en-US" dirty="0"/>
+              <a:t>Volume Expansion Coefficient α</a:t>
+            </a:r>
+            <a:r>
+              <a:rPr lang="en-US" baseline="-25000" dirty="0"/>
+              <a:t>V</a:t>
+            </a:r>
+            <a:r>
+              <a:rPr lang="en-US" dirty="0"/>
+              <a:t> = 10</a:t>
+            </a:r>
+            <a:r>
+              <a:rPr lang="en-US" baseline="30000" dirty="0"/>
+              <a:t>6 </a:t>
+            </a:r>
+            <a:endParaRPr lang="en-US" dirty="0"/>
+          </a:p>
+          <a:p>
+            <a:r>
+              <a:rPr lang="en-US" dirty="0"/>
+              <a:t>Gravity g = 1.0</a:t>
+            </a:r>
+          </a:p>
+          <a:p>
+            <a:r>
+              <a:rPr lang="en-US" dirty="0"/>
+              <a:t>Heat Capacity C</a:t>
+            </a:r>
+            <a:r>
+              <a:rPr lang="en-US" baseline="-25000" dirty="0"/>
+              <a:t>p</a:t>
+            </a:r>
+            <a:r>
+              <a:rPr lang="en-US" dirty="0"/>
+              <a:t> = 1.0</a:t>
+            </a:r>
+          </a:p>
+          <a:p>
+            <a:r>
+              <a:rPr lang="en-US" dirty="0"/>
+              <a:t>Thermal Conductivity k = 0.01</a:t>
+            </a:r>
+          </a:p>
+          <a:p>
+            <a:r>
+              <a:rPr lang="en-US" dirty="0"/>
+              <a:t>Thermal diffusivity </a:t>
+            </a:r>
+            <a:r>
+              <a:rPr lang="el-GR" dirty="0"/>
+              <a:t>κ</a:t>
+            </a:r>
+            <a:r>
+              <a:rPr lang="en-US" dirty="0"/>
+              <a:t> = k / </a:t>
+            </a:r>
+            <a:r>
+              <a:rPr lang="el-GR" dirty="0"/>
+              <a:t>ρ</a:t>
+            </a:r>
+            <a:r>
+              <a:rPr lang="en-US" baseline="-25000" dirty="0"/>
+              <a:t>0</a:t>
+            </a:r>
+            <a:r>
+              <a:rPr lang="en-US" dirty="0"/>
+              <a:t> C</a:t>
+            </a:r>
+            <a:r>
+              <a:rPr lang="en-US" baseline="-25000" dirty="0"/>
+              <a:t>p</a:t>
+            </a:r>
+            <a:r>
+              <a:rPr lang="en-US" dirty="0"/>
+              <a:t> = 0.01</a:t>
+            </a:r>
+          </a:p>
+          <a:p>
+            <a:r>
+              <a:rPr lang="en-US" dirty="0"/>
+              <a:t>Temperature Change </a:t>
+            </a:r>
+            <a:r>
+              <a:rPr lang="el-GR" dirty="0"/>
+              <a:t>Δ</a:t>
+            </a:r>
+            <a:r>
+              <a:rPr lang="en-US" dirty="0"/>
+              <a:t>T = 1.0</a:t>
+            </a:r>
+          </a:p>
+          <a:p>
+            <a:r>
+              <a:rPr lang="en-US" dirty="0"/>
+              <a:t>Time of Simulation: 5.0 target (0.22 achieved on case 1)</a:t>
+            </a:r>
+          </a:p>
+        </p:txBody>
+      </p:sp>
+    </p:spTree>
+    <p:extLst>
+      <p:ext uri="{BB962C8B-B14F-4D97-AF65-F5344CB8AC3E}">
+        <p14:creationId xmlns:p14="http://schemas.microsoft.com/office/powerpoint/2010/main" val="822508030"/>
+      </p:ext>
+    </p:extLst>
+  </p:cSld>
+  <p:clrMapOvr>
+    <a:masterClrMapping/>
+  </p:clrMapOvr>
+</p:sld>
+</file>
+
+<file path=ppt/slides/slide6.xml><?xml version="1.0" encoding="utf-8"?>
+<p:sld xmlns:a="http://schemas.openxmlformats.org/drawingml/2006/main" xmlns:r="http://schemas.openxmlformats.org/officeDocument/2006/relationships" xmlns:p="http://schemas.openxmlformats.org/presentationml/2006/main">
+  <p:cSld>
+    <p:spTree>
+      <p:nvGrpSpPr>
+        <p:cNvPr id="1" name=""/>
+        <p:cNvGrpSpPr/>
+        <p:nvPr/>
+      </p:nvGrpSpPr>
+      <p:grpSpPr>
+        <a:xfrm>
+          <a:off x="0" y="0"/>
+          <a:ext cx="0" cy="0"/>
+          <a:chOff x="0" y="0"/>
+          <a:chExt cx="0" cy="0"/>
+        </a:xfrm>
+      </p:grpSpPr>
+      <p:sp>
+        <p:nvSpPr>
+          <p:cNvPr id="2" name="Title 1">
+            <a:extLst>
+              <a:ext uri="{FF2B5EF4-FFF2-40B4-BE49-F238E27FC236}">
+                <a16:creationId xmlns:a16="http://schemas.microsoft.com/office/drawing/2014/main" id="{0FEE8EA8-9ECB-4EDB-ABF6-82F054AF1476}"/>
+              </a:ext>
+            </a:extLst>
+          </p:cNvPr>
+          <p:cNvSpPr>
+            <a:spLocks noGrp="1"/>
+          </p:cNvSpPr>
+          <p:nvPr>
+            <p:ph type="title"/>
+          </p:nvPr>
+        </p:nvSpPr>
+        <p:spPr/>
+        <p:txBody>
+          <a:bodyPr/>
+          <a:lstStyle/>
+          <a:p>
+            <a:r>
+              <a:rPr lang="en-US" dirty="0"/>
+              <a:t>Results</a:t>
+            </a:r>
+          </a:p>
+        </p:txBody>
+      </p:sp>
+      <p:sp>
+        <p:nvSpPr>
+          <p:cNvPr id="3" name="Content Placeholder 2">
+            <a:extLst>
+              <a:ext uri="{FF2B5EF4-FFF2-40B4-BE49-F238E27FC236}">
+                <a16:creationId xmlns:a16="http://schemas.microsoft.com/office/drawing/2014/main" id="{CFC74A35-9CF4-4896-8BB4-4E93CFF92E79}"/>
+              </a:ext>
+            </a:extLst>
+          </p:cNvPr>
+          <p:cNvSpPr>
+            <a:spLocks noGrp="1"/>
+          </p:cNvSpPr>
+          <p:nvPr>
+            <p:ph idx="1"/>
+          </p:nvPr>
+        </p:nvSpPr>
+        <p:spPr/>
+        <p:txBody>
+          <a:bodyPr/>
+          <a:lstStyle/>
+          <a:p>
+            <a:r>
+              <a:rPr lang="en-US" dirty="0"/>
+              <a:t>Case 1 was initiated on 1024 cores but only ran on 512 cores due to a hardware fault.</a:t>
+            </a:r>
+          </a:p>
+          <a:p>
+            <a:r>
+              <a:rPr lang="en-US" dirty="0"/>
+              <a:t>It ran for about 1 day and got to time 0.22 before we restarted it.</a:t>
+            </a:r>
+          </a:p>
+          <a:p>
+            <a:r>
+              <a:rPr lang="en-US" dirty="0"/>
+              <a:t>Case 2 ran on all 1024 cores for about 5 days.  It bogged down, getting progressively slower, and eventually crashed (out of memory)</a:t>
+            </a:r>
+          </a:p>
+          <a:p>
+            <a:r>
+              <a:rPr lang="en-US" dirty="0"/>
+              <a:t>It only got to a simulation time of 0.77; it should have gotten much further.  After it crashed, out .</a:t>
+            </a:r>
+            <a:r>
+              <a:rPr lang="en-US" dirty="0" err="1"/>
+              <a:t>exo</a:t>
+            </a:r>
+            <a:r>
+              <a:rPr lang="en-US" dirty="0"/>
+              <a:t> output files became corrupted.</a:t>
+            </a:r>
+          </a:p>
+          <a:p>
+            <a:r>
+              <a:rPr lang="en-US" dirty="0"/>
+              <a:t>We suspect a memory leak</a:t>
+            </a:r>
+          </a:p>
+          <a:p>
+            <a:r>
+              <a:rPr lang="en-US" dirty="0"/>
+              <a:t>We present visualizations from the successful case 1 simulation</a:t>
+            </a:r>
+          </a:p>
+        </p:txBody>
+      </p:sp>
+    </p:spTree>
+    <p:extLst>
+      <p:ext uri="{BB962C8B-B14F-4D97-AF65-F5344CB8AC3E}">
+        <p14:creationId xmlns:p14="http://schemas.microsoft.com/office/powerpoint/2010/main" val="1210628175"/>
+      </p:ext>
+    </p:extLst>
+  </p:cSld>
+  <p:clrMapOvr>
+    <a:masterClrMapping/>
+  </p:clrMapOvr>
+</p:sld>
+</file>
+
+<file path=ppt/slides/slide7.xml><?xml version="1.0" encoding="utf-8"?>
+<p:sld xmlns:a="http://schemas.openxmlformats.org/drawingml/2006/main" xmlns:r="http://schemas.openxmlformats.org/officeDocument/2006/relationships" xmlns:p="http://schemas.openxmlformats.org/presentationml/2006/main">
+  <p:cSld>
+    <p:spTree>
+      <p:nvGrpSpPr>
+        <p:cNvPr id="1" name=""/>
+        <p:cNvGrpSpPr/>
+        <p:nvPr/>
+      </p:nvGrpSpPr>
+      <p:grpSpPr>
+        <a:xfrm>
+          <a:off x="0" y="0"/>
+          <a:ext cx="0" cy="0"/>
+          <a:chOff x="0" y="0"/>
+          <a:chExt cx="0" cy="0"/>
+        </a:xfrm>
+      </p:grpSpPr>
+      <p:sp>
+        <p:nvSpPr>
+          <p:cNvPr id="2" name="Title 1">
+            <a:extLst>
+              <a:ext uri="{FF2B5EF4-FFF2-40B4-BE49-F238E27FC236}">
+                <a16:creationId xmlns:a16="http://schemas.microsoft.com/office/drawing/2014/main" id="{58E3D7D6-2C40-4460-B485-873C602DC6A5}"/>
+              </a:ext>
+            </a:extLst>
+          </p:cNvPr>
+          <p:cNvSpPr>
+            <a:spLocks noGrp="1"/>
+          </p:cNvSpPr>
+          <p:nvPr>
+            <p:ph type="title"/>
+          </p:nvPr>
+        </p:nvSpPr>
+        <p:spPr/>
+        <p:txBody>
+          <a:bodyPr/>
+          <a:lstStyle/>
+          <a:p>
+            <a:r>
+              <a:rPr lang="en-US" dirty="0"/>
+              <a:t>Sample Output: Temperature</a:t>
+            </a:r>
+          </a:p>
+        </p:txBody>
+      </p:sp>
+      <p:pic>
+        <p:nvPicPr>
+          <p:cNvPr id="4" name="Picture 3">
+            <a:extLst>
+              <a:ext uri="{FF2B5EF4-FFF2-40B4-BE49-F238E27FC236}">
+                <a16:creationId xmlns:a16="http://schemas.microsoft.com/office/drawing/2014/main" id="{CA4E8952-258D-4278-A4A1-7147DF7366B5}"/>
+              </a:ext>
+            </a:extLst>
+          </p:cNvPr>
+          <p:cNvPicPr>
+            <a:picLocks noChangeAspect="1"/>
+          </p:cNvPicPr>
+          <p:nvPr/>
+        </p:nvPicPr>
+        <p:blipFill>
+          <a:blip r:embed="rId2">
+            <a:extLst>
+              <a:ext uri="{28A0092B-C50C-407E-A947-70E740481C1C}">
+                <a14:useLocalDpi xmlns:a14="http://schemas.microsoft.com/office/drawing/2010/main" val="0"/>
+              </a:ext>
+            </a:extLst>
+          </a:blip>
+          <a:stretch>
+            <a:fillRect/>
+          </a:stretch>
+        </p:blipFill>
+        <p:spPr>
+          <a:xfrm>
+            <a:off x="3809" y="1389016"/>
+            <a:ext cx="13558157" cy="5423262"/>
+          </a:xfrm>
+          <a:prstGeom prst="rect">
+            <a:avLst/>
+          </a:prstGeom>
+        </p:spPr>
+      </p:pic>
+    </p:spTree>
+    <p:extLst>
+      <p:ext uri="{BB962C8B-B14F-4D97-AF65-F5344CB8AC3E}">
+        <p14:creationId xmlns:p14="http://schemas.microsoft.com/office/powerpoint/2010/main" val="2694843305"/>
+      </p:ext>
+    </p:extLst>
+  </p:cSld>
+  <p:clrMapOvr>
+    <a:masterClrMapping/>
+  </p:clrMapOvr>
+</p:sld>
+</file>
+
+<file path=ppt/slides/slide8.xml><?xml version="1.0" encoding="utf-8"?>
+<p:sld xmlns:a="http://schemas.openxmlformats.org/drawingml/2006/main" xmlns:r="http://schemas.openxmlformats.org/officeDocument/2006/relationships" xmlns:p="http://schemas.openxmlformats.org/presentationml/2006/main">
+  <p:cSld>
+    <p:spTree>
+      <p:nvGrpSpPr>
+        <p:cNvPr id="1" name=""/>
+        <p:cNvGrpSpPr/>
+        <p:nvPr/>
+      </p:nvGrpSpPr>
+      <p:grpSpPr>
+        <a:xfrm>
+          <a:off x="0" y="0"/>
+          <a:ext cx="0" cy="0"/>
+          <a:chOff x="0" y="0"/>
+          <a:chExt cx="0" cy="0"/>
+        </a:xfrm>
+      </p:grpSpPr>
+      <p:sp>
+        <p:nvSpPr>
+          <p:cNvPr id="2" name="Title 1">
+            <a:extLst>
+              <a:ext uri="{FF2B5EF4-FFF2-40B4-BE49-F238E27FC236}">
+                <a16:creationId xmlns:a16="http://schemas.microsoft.com/office/drawing/2014/main" id="{58E3D7D6-2C40-4460-B485-873C602DC6A5}"/>
+              </a:ext>
+            </a:extLst>
+          </p:cNvPr>
+          <p:cNvSpPr>
+            <a:spLocks noGrp="1"/>
+          </p:cNvSpPr>
+          <p:nvPr>
+            <p:ph type="title"/>
+          </p:nvPr>
+        </p:nvSpPr>
+        <p:spPr/>
+        <p:txBody>
+          <a:bodyPr/>
+          <a:lstStyle/>
+          <a:p>
+            <a:r>
+              <a:rPr lang="en-US" dirty="0"/>
+              <a:t>Sample Output: Pressure</a:t>
+            </a:r>
+          </a:p>
+        </p:txBody>
+      </p:sp>
+      <p:pic>
+        <p:nvPicPr>
+          <p:cNvPr id="4" name="Picture 3">
+            <a:extLst>
+              <a:ext uri="{FF2B5EF4-FFF2-40B4-BE49-F238E27FC236}">
+                <a16:creationId xmlns:a16="http://schemas.microsoft.com/office/drawing/2014/main" id="{CA4E8952-258D-4278-A4A1-7147DF7366B5}"/>
+              </a:ext>
+            </a:extLst>
+          </p:cNvPr>
+          <p:cNvPicPr>
+            <a:picLocks noChangeAspect="1"/>
+          </p:cNvPicPr>
+          <p:nvPr/>
+        </p:nvPicPr>
+        <p:blipFill>
+          <a:blip r:embed="rId2">
+            <a:extLst>
+              <a:ext uri="{28A0092B-C50C-407E-A947-70E740481C1C}">
+                <a14:useLocalDpi xmlns:a14="http://schemas.microsoft.com/office/drawing/2010/main" val="0"/>
+              </a:ext>
+            </a:extLst>
+          </a:blip>
+          <a:stretch>
+            <a:fillRect/>
+          </a:stretch>
+        </p:blipFill>
+        <p:spPr>
+          <a:xfrm>
+            <a:off x="3809" y="1389016"/>
+            <a:ext cx="13558157" cy="5423262"/>
+          </a:xfrm>
+          <a:prstGeom prst="rect">
+            <a:avLst/>
+          </a:prstGeom>
+        </p:spPr>
+      </p:pic>
+    </p:spTree>
+    <p:extLst>
+      <p:ext uri="{BB962C8B-B14F-4D97-AF65-F5344CB8AC3E}">
+        <p14:creationId xmlns:p14="http://schemas.microsoft.com/office/powerpoint/2010/main" val="981908857"/>
+      </p:ext>
+    </p:extLst>
+  </p:cSld>
+  <p:clrMapOvr>
+    <a:masterClrMapping/>
+  </p:clrMapOvr>
+</p:sld>
+</file>
+
+<file path=ppt/slides/slide9.xml><?xml version="1.0" encoding="utf-8"?>
+<p:sld xmlns:a="http://schemas.openxmlformats.org/drawingml/2006/main" xmlns:r="http://schemas.openxmlformats.org/officeDocument/2006/relationships" xmlns:p="http://schemas.openxmlformats.org/presentationml/2006/main">
+  <p:cSld>
+    <p:spTree>
+      <p:nvGrpSpPr>
+        <p:cNvPr id="1" name=""/>
+        <p:cNvGrpSpPr/>
+        <p:nvPr/>
+      </p:nvGrpSpPr>
+      <p:grpSpPr>
+        <a:xfrm>
+          <a:off x="0" y="0"/>
+          <a:ext cx="0" cy="0"/>
+          <a:chOff x="0" y="0"/>
+          <a:chExt cx="0" cy="0"/>
+        </a:xfrm>
+      </p:grpSpPr>
+      <p:sp>
+        <p:nvSpPr>
+          <p:cNvPr id="2" name="Title 1">
+            <a:extLst>
+              <a:ext uri="{FF2B5EF4-FFF2-40B4-BE49-F238E27FC236}">
+                <a16:creationId xmlns:a16="http://schemas.microsoft.com/office/drawing/2014/main" id="{58E3D7D6-2C40-4460-B485-873C602DC6A5}"/>
+              </a:ext>
+            </a:extLst>
+          </p:cNvPr>
+          <p:cNvSpPr>
+            <a:spLocks noGrp="1"/>
+          </p:cNvSpPr>
+          <p:nvPr>
+            <p:ph type="title"/>
+          </p:nvPr>
+        </p:nvSpPr>
+        <p:spPr/>
+        <p:txBody>
+          <a:bodyPr/>
+          <a:lstStyle/>
+          <a:p>
+            <a:r>
+              <a:rPr lang="en-US" dirty="0"/>
+              <a:t>Sample Output: Velocity in x Direction</a:t>
+            </a:r>
+          </a:p>
+        </p:txBody>
+      </p:sp>
+      <p:pic>
+        <p:nvPicPr>
+          <p:cNvPr id="4" name="Picture 3">
+            <a:extLst>
+              <a:ext uri="{FF2B5EF4-FFF2-40B4-BE49-F238E27FC236}">
+                <a16:creationId xmlns:a16="http://schemas.microsoft.com/office/drawing/2014/main" id="{CA4E8952-258D-4278-A4A1-7147DF7366B5}"/>
+              </a:ext>
+            </a:extLst>
+          </p:cNvPr>
+          <p:cNvPicPr>
+            <a:picLocks noChangeAspect="1"/>
+          </p:cNvPicPr>
+          <p:nvPr/>
+        </p:nvPicPr>
+        <p:blipFill>
+          <a:blip r:embed="rId2">
+            <a:extLst>
+              <a:ext uri="{28A0092B-C50C-407E-A947-70E740481C1C}">
+                <a14:useLocalDpi xmlns:a14="http://schemas.microsoft.com/office/drawing/2010/main" val="0"/>
+              </a:ext>
+            </a:extLst>
+          </a:blip>
+          <a:stretch>
+            <a:fillRect/>
+          </a:stretch>
+        </p:blipFill>
+        <p:spPr>
+          <a:xfrm>
+            <a:off x="3809" y="1389016"/>
+            <a:ext cx="13558157" cy="5423263"/>
+          </a:xfrm>
+          <a:prstGeom prst="rect">
+            <a:avLst/>
+          </a:prstGeom>
+        </p:spPr>
+      </p:pic>
+    </p:spTree>
+    <p:extLst>
+      <p:ext uri="{BB962C8B-B14F-4D97-AF65-F5344CB8AC3E}">
+        <p14:creationId xmlns:p14="http://schemas.microsoft.com/office/powerpoint/2010/main" val="4124111177"/>
       </p:ext>
     </p:extLst>
   </p:cSld>
